--- a/Bai22 Helloworld_kernel_module/Hello world kernel module.pptx
+++ b/Bai22 Helloworld_kernel_module/Hello world kernel module.pptx
@@ -5,10 +5,10 @@
     <p:sldMasterId id="2147483648" r:id="rId1"/>
   </p:sldMasterIdLst>
   <p:notesMasterIdLst>
-    <p:notesMasterId r:id="rId18"/>
+    <p:notesMasterId r:id="rId19"/>
   </p:notesMasterIdLst>
   <p:handoutMasterIdLst>
-    <p:handoutMasterId r:id="rId19"/>
+    <p:handoutMasterId r:id="rId20"/>
   </p:handoutMasterIdLst>
   <p:sldIdLst>
     <p:sldId id="256" r:id="rId2"/>
@@ -25,8 +25,9 @@
     <p:sldId id="274" r:id="rId13"/>
     <p:sldId id="275" r:id="rId14"/>
     <p:sldId id="276" r:id="rId15"/>
-    <p:sldId id="270" r:id="rId16"/>
-    <p:sldId id="258" r:id="rId17"/>
+    <p:sldId id="277" r:id="rId16"/>
+    <p:sldId id="270" r:id="rId17"/>
+    <p:sldId id="258" r:id="rId18"/>
   </p:sldIdLst>
   <p:sldSz cx="9144000" cy="5143500" type="screen16x9"/>
   <p:notesSz cx="6858000" cy="9144000"/>
@@ -810,7 +811,7 @@
           <a:p>
             <a:fld id="{2B3067B3-3AE6-DD4A-9E3D-C999AB3971A1}" type="slidenum">
               <a:rPr lang="en-US" smtClean="0"/>
-              <a:t>15</a:t>
+              <a:t>16</a:t>
             </a:fld>
             <a:endParaRPr lang="en-US"/>
           </a:p>
@@ -894,7 +895,7 @@
           <a:p>
             <a:fld id="{2B3067B3-3AE6-DD4A-9E3D-C999AB3971A1}" type="slidenum">
               <a:rPr lang="en-US" smtClean="0"/>
-              <a:t>16</a:t>
+              <a:t>17</a:t>
             </a:fld>
             <a:endParaRPr lang="en-US"/>
           </a:p>
@@ -4814,7 +4815,6 @@
               <a:rPr lang="en-US" dirty="0"/>
               <a:t>=1m</a:t>
             </a:r>
-            <a:endParaRPr lang="en-US" dirty="0"/>
           </a:p>
           <a:p>
             <a:pPr lvl="0"/>
@@ -5306,6 +5306,144 @@
           <a:lstStyle/>
           <a:p>
             <a:r>
+              <a:rPr lang="en-US" dirty="0" smtClean="0"/>
+              <a:t>Cross compile kernel module</a:t>
+            </a:r>
+            <a:endParaRPr lang="en-US" dirty="0"/>
+          </a:p>
+        </p:txBody>
+      </p:sp>
+      <p:sp>
+        <p:nvSpPr>
+          <p:cNvPr id="3" name="Content Placeholder 2"/>
+          <p:cNvSpPr>
+            <a:spLocks noGrp="1"/>
+          </p:cNvSpPr>
+          <p:nvPr>
+            <p:ph idx="1"/>
+          </p:nvPr>
+        </p:nvSpPr>
+        <p:spPr/>
+        <p:txBody>
+          <a:bodyPr/>
+          <a:lstStyle/>
+          <a:p>
+            <a:r>
+              <a:rPr lang="en-US" dirty="0" smtClean="0"/>
+              <a:t>Source code </a:t>
+            </a:r>
+            <a:r>
+              <a:rPr lang="en-US" dirty="0" err="1" smtClean="0"/>
+              <a:t>linux</a:t>
+            </a:r>
+            <a:r>
+              <a:rPr lang="en-US" dirty="0" smtClean="0"/>
+              <a:t> kernel </a:t>
+            </a:r>
+            <a:r>
+              <a:rPr lang="en-US" dirty="0" err="1" smtClean="0"/>
+              <a:t>cho</a:t>
+            </a:r>
+            <a:r>
+              <a:rPr lang="en-US" dirty="0" smtClean="0"/>
+              <a:t> board.</a:t>
+            </a:r>
+            <a:endParaRPr lang="en-US" dirty="0"/>
+          </a:p>
+        </p:txBody>
+      </p:sp>
+      <p:sp>
+        <p:nvSpPr>
+          <p:cNvPr id="4" name="Footer Placeholder 3"/>
+          <p:cNvSpPr>
+            <a:spLocks noGrp="1"/>
+          </p:cNvSpPr>
+          <p:nvPr>
+            <p:ph type="ftr" sz="quarter" idx="11"/>
+          </p:nvPr>
+        </p:nvSpPr>
+        <p:spPr/>
+        <p:txBody>
+          <a:bodyPr/>
+          <a:lstStyle/>
+          <a:p>
+            <a:r>
+              <a:rPr lang="en-US" smtClean="0"/>
+              <a:t>©FPT SOFTWARE - Corporate Training Center - Internal Use</a:t>
+            </a:r>
+            <a:endParaRPr lang="en-US"/>
+          </a:p>
+        </p:txBody>
+      </p:sp>
+      <p:sp>
+        <p:nvSpPr>
+          <p:cNvPr id="5" name="Slide Number Placeholder 4"/>
+          <p:cNvSpPr>
+            <a:spLocks noGrp="1"/>
+          </p:cNvSpPr>
+          <p:nvPr>
+            <p:ph type="sldNum" sz="quarter" idx="12"/>
+          </p:nvPr>
+        </p:nvSpPr>
+        <p:spPr/>
+        <p:txBody>
+          <a:bodyPr/>
+          <a:lstStyle/>
+          <a:p>
+            <a:fld id="{E3B08AF7-4237-6949-8335-F63F47C2C8CC}" type="slidenum">
+              <a:rPr lang="en-US" smtClean="0"/>
+              <a:t>15</a:t>
+            </a:fld>
+            <a:endParaRPr lang="en-US"/>
+          </a:p>
+        </p:txBody>
+      </p:sp>
+    </p:spTree>
+    <p:extLst>
+      <p:ext uri="{BB962C8B-B14F-4D97-AF65-F5344CB8AC3E}">
+        <p14:creationId xmlns:p14="http://schemas.microsoft.com/office/powerpoint/2010/main" val="108386363"/>
+      </p:ext>
+    </p:extLst>
+  </p:cSld>
+  <p:clrMapOvr>
+    <a:masterClrMapping/>
+  </p:clrMapOvr>
+</p:sld>
+</file>
+
+<file path=ppt/slides/slide16.xml><?xml version="1.0" encoding="utf-8"?>
+<p:sld xmlns:a="http://schemas.openxmlformats.org/drawingml/2006/main" xmlns:r="http://schemas.openxmlformats.org/officeDocument/2006/relationships" xmlns:p="http://schemas.openxmlformats.org/presentationml/2006/main">
+  <p:cSld>
+    <p:spTree>
+      <p:nvGrpSpPr>
+        <p:cNvPr id="1" name=""/>
+        <p:cNvGrpSpPr/>
+        <p:nvPr/>
+      </p:nvGrpSpPr>
+      <p:grpSpPr>
+        <a:xfrm>
+          <a:off x="0" y="0"/>
+          <a:ext cx="0" cy="0"/>
+          <a:chOff x="0" y="0"/>
+          <a:chExt cx="0" cy="0"/>
+        </a:xfrm>
+      </p:grpSpPr>
+      <p:sp>
+        <p:nvSpPr>
+          <p:cNvPr id="2" name="Title 1"/>
+          <p:cNvSpPr>
+            <a:spLocks noGrp="1"/>
+          </p:cNvSpPr>
+          <p:nvPr>
+            <p:ph type="title"/>
+          </p:nvPr>
+        </p:nvSpPr>
+        <p:spPr/>
+        <p:txBody>
+          <a:bodyPr/>
+          <a:lstStyle/>
+          <a:p>
+            <a:r>
               <a:rPr lang="en-US"/>
               <a:t>Home work</a:t>
             </a:r>
@@ -5556,7 +5694,7 @@
 </p:sld>
 </file>
 
-<file path=ppt/slides/slide16.xml><?xml version="1.0" encoding="utf-8"?>
+<file path=ppt/slides/slide17.xml><?xml version="1.0" encoding="utf-8"?>
 <p:sld xmlns:a="http://schemas.openxmlformats.org/drawingml/2006/main" xmlns:r="http://schemas.openxmlformats.org/officeDocument/2006/relationships" xmlns:p="http://schemas.openxmlformats.org/presentationml/2006/main">
   <p:cSld>
     <p:bg>
@@ -5671,7 +5809,7 @@
           <a:p>
             <a:fld id="{E3B08AF7-4237-6949-8335-F63F47C2C8CC}" type="slidenum">
               <a:rPr lang="en-US" smtClean="0"/>
-              <a:t>16</a:t>
+              <a:t>17</a:t>
             </a:fld>
             <a:endParaRPr lang="en-US" dirty="0"/>
           </a:p>
@@ -5972,8 +6110,8 @@
           <a:p>
             <a:pPr lvl="0"/>
             <a:r>
-              <a:rPr lang="en-US" dirty="0"/>
-              <a:t>apt search </a:t>
+              <a:rPr lang="en-US" dirty="0" smtClean="0"/>
+              <a:t>Apt-get install </a:t>
             </a:r>
             <a:r>
               <a:rPr lang="en-US" dirty="0" err="1"/>
@@ -5991,7 +6129,6 @@
               <a:rPr lang="en-US" dirty="0"/>
               <a:t> -r)</a:t>
             </a:r>
-            <a:endParaRPr lang="en-US" dirty="0"/>
           </a:p>
         </p:txBody>
       </p:sp>
@@ -6229,6 +6366,13 @@
   <p:clrMapOvr>
     <a:masterClrMapping/>
   </p:clrMapOvr>
+  <p:timing>
+    <p:tnLst>
+      <p:par>
+        <p:cTn id="1" dur="indefinite" restart="never" nodeType="tmRoot"/>
+      </p:par>
+    </p:tnLst>
+  </p:timing>
 </p:sld>
 </file>
 
@@ -6307,6 +6451,13 @@
   <p:clrMapOvr>
     <a:masterClrMapping/>
   </p:clrMapOvr>
+  <p:timing>
+    <p:tnLst>
+      <p:par>
+        <p:cTn id="1" dur="indefinite" restart="never" nodeType="tmRoot"/>
+      </p:par>
+    </p:tnLst>
+  </p:timing>
 </p:sld>
 </file>
 
@@ -6430,6 +6581,13 @@
   <p:clrMapOvr>
     <a:masterClrMapping/>
   </p:clrMapOvr>
+  <p:timing>
+    <p:tnLst>
+      <p:par>
+        <p:cTn id="1" dur="indefinite" restart="never" nodeType="tmRoot"/>
+      </p:par>
+    </p:tnLst>
+  </p:timing>
 </p:sld>
 </file>
 
